--- a/Presentation.pptx
+++ b/Presentation.pptx
@@ -458,7 +458,7 @@
           <a:p>
             <a:fld id="{C1E34047-EA58-134A-B286-18BF7AC2C690}" type="datetimeFigureOut">
               <a:rPr lang="en-US" smtClean="0"/>
-              <a:t>2/5/25</a:t>
+              <a:t>2/16/25</a:t>
             </a:fld>
             <a:endParaRPr lang="en-US"/>
           </a:p>
@@ -771,8 +771,13 @@
           <a:p>
             <a:r>
               <a:rPr lang="en-US" dirty="0"/>
-              <a:t>REMINDER: Speak slowly</a:t>
-            </a:r>
+              <a:t>REMINDER: </a:t>
+            </a:r>
+            <a:r>
+              <a:rPr lang="en-US"/>
+              <a:t>Speak slowly</a:t>
+            </a:r>
+            <a:endParaRPr lang="en-US" dirty="0"/>
           </a:p>
         </p:txBody>
       </p:sp>
@@ -4166,7 +4171,7 @@
           <a:p>
             <a:r>
               <a:rPr lang="en-US" dirty="0"/>
-              <a:t>WE need to be notified when THIS happens … Example needed</a:t>
+              <a:t>WE need to be notified when THIS happens …</a:t>
             </a:r>
           </a:p>
           <a:p>
@@ -4175,7 +4180,7 @@
           <a:p>
             <a:r>
               <a:rPr lang="en-US" dirty="0"/>
-              <a:t>This alert MIGHT be useful … example needed</a:t>
+              <a:t>This alert MIGHT be useful … </a:t>
             </a:r>
           </a:p>
           <a:p>
@@ -11427,7 +11432,7 @@
           <a:p>
             <a:r>
               <a:rPr lang="en-US" dirty="0"/>
-              <a:t>This talk is really a way to start a conversation … with me right after the talk during the Q&amp;A</a:t>
+              <a:t>This talk is really a way to start a conversation … with me right after the talk</a:t>
             </a:r>
           </a:p>
           <a:p>
@@ -11701,7 +11706,7 @@
           <a:p>
             <a:fld id="{02EABCE6-4E1F-4440-BD2E-1908BCC61C3F}" type="datetimeFigureOut">
               <a:rPr lang="en-US" smtClean="0"/>
-              <a:t>2/5/25</a:t>
+              <a:t>2/16/25</a:t>
             </a:fld>
             <a:endParaRPr lang="en-US"/>
           </a:p>
@@ -11871,7 +11876,7 @@
           <a:p>
             <a:fld id="{02EABCE6-4E1F-4440-BD2E-1908BCC61C3F}" type="datetimeFigureOut">
               <a:rPr lang="en-US" smtClean="0"/>
-              <a:t>2/5/25</a:t>
+              <a:t>2/16/25</a:t>
             </a:fld>
             <a:endParaRPr lang="en-US"/>
           </a:p>
@@ -12051,7 +12056,7 @@
           <a:p>
             <a:fld id="{02EABCE6-4E1F-4440-BD2E-1908BCC61C3F}" type="datetimeFigureOut">
               <a:rPr lang="en-US" smtClean="0"/>
-              <a:t>2/5/25</a:t>
+              <a:t>2/16/25</a:t>
             </a:fld>
             <a:endParaRPr lang="en-US"/>
           </a:p>
@@ -12221,7 +12226,7 @@
           <a:p>
             <a:fld id="{02EABCE6-4E1F-4440-BD2E-1908BCC61C3F}" type="datetimeFigureOut">
               <a:rPr lang="en-US" smtClean="0"/>
-              <a:t>2/5/25</a:t>
+              <a:t>2/16/25</a:t>
             </a:fld>
             <a:endParaRPr lang="en-US"/>
           </a:p>
@@ -12467,7 +12472,7 @@
           <a:p>
             <a:fld id="{02EABCE6-4E1F-4440-BD2E-1908BCC61C3F}" type="datetimeFigureOut">
               <a:rPr lang="en-US" smtClean="0"/>
-              <a:t>2/5/25</a:t>
+              <a:t>2/16/25</a:t>
             </a:fld>
             <a:endParaRPr lang="en-US"/>
           </a:p>
@@ -12699,7 +12704,7 @@
           <a:p>
             <a:fld id="{02EABCE6-4E1F-4440-BD2E-1908BCC61C3F}" type="datetimeFigureOut">
               <a:rPr lang="en-US" smtClean="0"/>
-              <a:t>2/5/25</a:t>
+              <a:t>2/16/25</a:t>
             </a:fld>
             <a:endParaRPr lang="en-US"/>
           </a:p>
@@ -13066,7 +13071,7 @@
           <a:p>
             <a:fld id="{02EABCE6-4E1F-4440-BD2E-1908BCC61C3F}" type="datetimeFigureOut">
               <a:rPr lang="en-US" smtClean="0"/>
-              <a:t>2/5/25</a:t>
+              <a:t>2/16/25</a:t>
             </a:fld>
             <a:endParaRPr lang="en-US"/>
           </a:p>
@@ -13184,7 +13189,7 @@
           <a:p>
             <a:fld id="{02EABCE6-4E1F-4440-BD2E-1908BCC61C3F}" type="datetimeFigureOut">
               <a:rPr lang="en-US" smtClean="0"/>
-              <a:t>2/5/25</a:t>
+              <a:t>2/16/25</a:t>
             </a:fld>
             <a:endParaRPr lang="en-US"/>
           </a:p>
@@ -13279,7 +13284,7 @@
           <a:p>
             <a:fld id="{02EABCE6-4E1F-4440-BD2E-1908BCC61C3F}" type="datetimeFigureOut">
               <a:rPr lang="en-US" smtClean="0"/>
-              <a:t>2/5/25</a:t>
+              <a:t>2/16/25</a:t>
             </a:fld>
             <a:endParaRPr lang="en-US"/>
           </a:p>
@@ -13556,7 +13561,7 @@
           <a:p>
             <a:fld id="{02EABCE6-4E1F-4440-BD2E-1908BCC61C3F}" type="datetimeFigureOut">
               <a:rPr lang="en-US" smtClean="0"/>
-              <a:t>2/5/25</a:t>
+              <a:t>2/16/25</a:t>
             </a:fld>
             <a:endParaRPr lang="en-US"/>
           </a:p>
@@ -13813,7 +13818,7 @@
           <a:p>
             <a:fld id="{02EABCE6-4E1F-4440-BD2E-1908BCC61C3F}" type="datetimeFigureOut">
               <a:rPr lang="en-US" smtClean="0"/>
-              <a:t>2/5/25</a:t>
+              <a:t>2/16/25</a:t>
             </a:fld>
             <a:endParaRPr lang="en-US"/>
           </a:p>
@@ -14026,7 +14031,7 @@
           <a:p>
             <a:fld id="{02EABCE6-4E1F-4440-BD2E-1908BCC61C3F}" type="datetimeFigureOut">
               <a:rPr lang="en-US" smtClean="0"/>
-              <a:t>2/5/25</a:t>
+              <a:t>2/16/25</a:t>
             </a:fld>
             <a:endParaRPr lang="en-US"/>
           </a:p>
@@ -14484,7 +14489,7 @@
           <a:p>
             <a:r>
               <a:rPr lang="en-US" sz="3600" dirty="0"/>
-              <a:t>Ryan Cheley (He/Him)</a:t>
+              <a:t>Ryan Cheley (He/Him/His)</a:t>
             </a:r>
           </a:p>
           <a:p>
@@ -14513,6 +14518,12 @@
             <a:r>
               <a:rPr lang="en-US" sz="3600" dirty="0"/>
               <a:t>Admin of Django Commons</a:t>
+            </a:r>
+          </a:p>
+          <a:p>
+            <a:r>
+              <a:rPr lang="en-US" sz="3600" dirty="0"/>
+              <a:t>One of the Maintainers of Django Packages</a:t>
             </a:r>
           </a:p>
         </p:txBody>
@@ -14817,6 +14828,55 @@
                       </p:childTnLst>
                     </p:cTn>
                   </p:par>
+                  <p:par>
+                    <p:cTn id="23" fill="hold">
+                      <p:stCondLst>
+                        <p:cond delay="indefinite"/>
+                      </p:stCondLst>
+                      <p:childTnLst>
+                        <p:par>
+                          <p:cTn id="24" fill="hold">
+                            <p:stCondLst>
+                              <p:cond delay="0"/>
+                            </p:stCondLst>
+                            <p:childTnLst>
+                              <p:par>
+                                <p:cTn id="25" presetID="1" presetClass="entr" presetSubtype="0" fill="hold" grpId="0" nodeType="clickEffect">
+                                  <p:stCondLst>
+                                    <p:cond delay="0"/>
+                                  </p:stCondLst>
+                                  <p:childTnLst>
+                                    <p:set>
+                                      <p:cBhvr>
+                                        <p:cTn id="26" dur="1" fill="hold">
+                                          <p:stCondLst>
+                                            <p:cond delay="0"/>
+                                          </p:stCondLst>
+                                        </p:cTn>
+                                        <p:tgtEl>
+                                          <p:spTgt spid="3">
+                                            <p:txEl>
+                                              <p:pRg st="5" end="5"/>
+                                            </p:txEl>
+                                          </p:spTgt>
+                                        </p:tgtEl>
+                                        <p:attrNameLst>
+                                          <p:attrName>style.visibility</p:attrName>
+                                        </p:attrNameLst>
+                                      </p:cBhvr>
+                                      <p:to>
+                                        <p:strVal val="visible"/>
+                                      </p:to>
+                                    </p:set>
+                                  </p:childTnLst>
+                                </p:cTn>
+                              </p:par>
+                            </p:childTnLst>
+                          </p:cTn>
+                        </p:par>
+                      </p:childTnLst>
+                    </p:cTn>
+                  </p:par>
                 </p:childTnLst>
               </p:cTn>
               <p:prevCondLst>
@@ -15895,7 +15955,7 @@
 </file>
 
 <file path=ppt/slides/slide2.xml><?xml version="1.0" encoding="utf-8"?>
-<p:sld xmlns:a="http://schemas.openxmlformats.org/drawingml/2006/main" xmlns:r="http://schemas.openxmlformats.org/officeDocument/2006/relationships" xmlns:p="http://schemas.openxmlformats.org/presentationml/2006/main" show="0">
+<p:sld xmlns:a="http://schemas.openxmlformats.org/drawingml/2006/main" xmlns:r="http://schemas.openxmlformats.org/officeDocument/2006/relationships" xmlns:p="http://schemas.openxmlformats.org/presentationml/2006/main">
   <p:cSld>
     <p:spTree>
       <p:nvGrpSpPr>
@@ -16037,76 +16097,6 @@
           </a:extLst>
         </p:spPr>
       </p:pic>
-      <p:sp>
-        <p:nvSpPr>
-          <p:cNvPr id="4" name="TextBox 3">
-            <a:extLst>
-              <a:ext uri="{FF2B5EF4-FFF2-40B4-BE49-F238E27FC236}">
-                <a16:creationId xmlns:a16="http://schemas.microsoft.com/office/drawing/2014/main" id="{28D96E52-0F97-7F4A-71CC-4C6F148B0655}"/>
-              </a:ext>
-            </a:extLst>
-          </p:cNvPr>
-          <p:cNvSpPr txBox="1"/>
-          <p:nvPr/>
-        </p:nvSpPr>
-        <p:spPr>
-          <a:xfrm>
-            <a:off x="2498271" y="2416628"/>
-            <a:ext cx="1061358" cy="646331"/>
-          </a:xfrm>
-          <a:prstGeom prst="rect">
-            <a:avLst/>
-          </a:prstGeom>
-          <a:noFill/>
-        </p:spPr>
-        <p:txBody>
-          <a:bodyPr wrap="square" rtlCol="0">
-            <a:spAutoFit/>
-          </a:bodyPr>
-          <a:lstStyle/>
-          <a:p>
-            <a:r>
-              <a:rPr lang="en-US" sz="3600" dirty="0"/>
-              <a:t>🎓</a:t>
-            </a:r>
-          </a:p>
-        </p:txBody>
-      </p:sp>
-      <p:sp>
-        <p:nvSpPr>
-          <p:cNvPr id="5" name="TextBox 4">
-            <a:extLst>
-              <a:ext uri="{FF2B5EF4-FFF2-40B4-BE49-F238E27FC236}">
-                <a16:creationId xmlns:a16="http://schemas.microsoft.com/office/drawing/2014/main" id="{4E5DED1F-3703-055D-41DC-EEB49C0C20AE}"/>
-              </a:ext>
-            </a:extLst>
-          </p:cNvPr>
-          <p:cNvSpPr txBox="1"/>
-          <p:nvPr/>
-        </p:nvSpPr>
-        <p:spPr>
-          <a:xfrm>
-            <a:off x="2895600" y="1825625"/>
-            <a:ext cx="1061358" cy="646331"/>
-          </a:xfrm>
-          <a:prstGeom prst="rect">
-            <a:avLst/>
-          </a:prstGeom>
-          <a:noFill/>
-        </p:spPr>
-        <p:txBody>
-          <a:bodyPr wrap="square" rtlCol="0">
-            <a:spAutoFit/>
-          </a:bodyPr>
-          <a:lstStyle/>
-          <a:p>
-            <a:r>
-              <a:rPr lang="en-US" sz="3600" dirty="0"/>
-              <a:t>🎉</a:t>
-            </a:r>
-          </a:p>
-        </p:txBody>
-      </p:sp>
       <p:pic>
         <p:nvPicPr>
           <p:cNvPr id="1030" name="Picture 6">
@@ -16284,7 +16274,11 @@
                                           </p:stCondLst>
                                         </p:cTn>
                                         <p:tgtEl>
-                                          <p:spTgt spid="5"/>
+                                          <p:spTgt spid="3">
+                                            <p:txEl>
+                                              <p:pRg st="1" end="1"/>
+                                            </p:txEl>
+                                          </p:spTgt>
                                         </p:tgtEl>
                                         <p:attrNameLst>
                                           <p:attrName>style.visibility</p:attrName>
@@ -16331,7 +16325,7 @@
                                         <p:tgtEl>
                                           <p:spTgt spid="3">
                                             <p:txEl>
-                                              <p:pRg st="1" end="1"/>
+                                              <p:pRg st="2" end="2"/>
                                             </p:txEl>
                                           </p:spTgt>
                                         </p:tgtEl>
@@ -16365,7 +16359,7 @@
                             </p:stCondLst>
                             <p:childTnLst>
                               <p:par>
-                                <p:cTn id="17" presetID="1" presetClass="entr" presetSubtype="0" fill="hold" grpId="0" nodeType="clickEffect">
+                                <p:cTn id="17" presetID="1" presetClass="entr" presetSubtype="0" fill="hold" nodeType="clickEffect">
                                   <p:stCondLst>
                                     <p:cond delay="0"/>
                                   </p:stCondLst>
@@ -16378,7 +16372,7 @@
                                           </p:stCondLst>
                                         </p:cTn>
                                         <p:tgtEl>
-                                          <p:spTgt spid="4"/>
+                                          <p:spTgt spid="1030"/>
                                         </p:tgtEl>
                                         <p:attrNameLst>
                                           <p:attrName>style.visibility</p:attrName>
@@ -16410,7 +16404,7 @@
                             </p:stCondLst>
                             <p:childTnLst>
                               <p:par>
-                                <p:cTn id="21" presetID="1" presetClass="entr" presetSubtype="0" fill="hold" grpId="0" nodeType="clickEffect">
+                                <p:cTn id="21" presetID="1" presetClass="entr" presetSubtype="0" fill="hold" nodeType="clickEffect">
                                   <p:stCondLst>
                                     <p:cond delay="0"/>
                                   </p:stCondLst>
@@ -16418,100 +16412,6 @@
                                     <p:set>
                                       <p:cBhvr>
                                         <p:cTn id="22" dur="1" fill="hold">
-                                          <p:stCondLst>
-                                            <p:cond delay="0"/>
-                                          </p:stCondLst>
-                                        </p:cTn>
-                                        <p:tgtEl>
-                                          <p:spTgt spid="3">
-                                            <p:txEl>
-                                              <p:pRg st="2" end="2"/>
-                                            </p:txEl>
-                                          </p:spTgt>
-                                        </p:tgtEl>
-                                        <p:attrNameLst>
-                                          <p:attrName>style.visibility</p:attrName>
-                                        </p:attrNameLst>
-                                      </p:cBhvr>
-                                      <p:to>
-                                        <p:strVal val="visible"/>
-                                      </p:to>
-                                    </p:set>
-                                  </p:childTnLst>
-                                </p:cTn>
-                              </p:par>
-                            </p:childTnLst>
-                          </p:cTn>
-                        </p:par>
-                      </p:childTnLst>
-                    </p:cTn>
-                  </p:par>
-                  <p:par>
-                    <p:cTn id="23" fill="hold">
-                      <p:stCondLst>
-                        <p:cond delay="indefinite"/>
-                      </p:stCondLst>
-                      <p:childTnLst>
-                        <p:par>
-                          <p:cTn id="24" fill="hold">
-                            <p:stCondLst>
-                              <p:cond delay="0"/>
-                            </p:stCondLst>
-                            <p:childTnLst>
-                              <p:par>
-                                <p:cTn id="25" presetID="1" presetClass="entr" presetSubtype="0" fill="hold" nodeType="clickEffect">
-                                  <p:stCondLst>
-                                    <p:cond delay="0"/>
-                                  </p:stCondLst>
-                                  <p:childTnLst>
-                                    <p:set>
-                                      <p:cBhvr>
-                                        <p:cTn id="26" dur="1" fill="hold">
-                                          <p:stCondLst>
-                                            <p:cond delay="0"/>
-                                          </p:stCondLst>
-                                        </p:cTn>
-                                        <p:tgtEl>
-                                          <p:spTgt spid="1030"/>
-                                        </p:tgtEl>
-                                        <p:attrNameLst>
-                                          <p:attrName>style.visibility</p:attrName>
-                                        </p:attrNameLst>
-                                      </p:cBhvr>
-                                      <p:to>
-                                        <p:strVal val="visible"/>
-                                      </p:to>
-                                    </p:set>
-                                  </p:childTnLst>
-                                </p:cTn>
-                              </p:par>
-                            </p:childTnLst>
-                          </p:cTn>
-                        </p:par>
-                      </p:childTnLst>
-                    </p:cTn>
-                  </p:par>
-                  <p:par>
-                    <p:cTn id="27" fill="hold">
-                      <p:stCondLst>
-                        <p:cond delay="indefinite"/>
-                      </p:stCondLst>
-                      <p:childTnLst>
-                        <p:par>
-                          <p:cTn id="28" fill="hold">
-                            <p:stCondLst>
-                              <p:cond delay="0"/>
-                            </p:stCondLst>
-                            <p:childTnLst>
-                              <p:par>
-                                <p:cTn id="29" presetID="1" presetClass="entr" presetSubtype="0" fill="hold" nodeType="clickEffect">
-                                  <p:stCondLst>
-                                    <p:cond delay="0"/>
-                                  </p:stCondLst>
-                                  <p:childTnLst>
-                                    <p:set>
-                                      <p:cBhvr>
-                                        <p:cTn id="30" dur="1" fill="hold">
                                           <p:stCondLst>
                                             <p:cond delay="0"/>
                                           </p:stCondLst>
@@ -16559,8 +16459,6 @@
     </p:tnLst>
     <p:bldLst>
       <p:bldP spid="3" grpId="0" uiExpand="1" build="p"/>
-      <p:bldP spid="4" grpId="0"/>
-      <p:bldP spid="5" grpId="0"/>
     </p:bldLst>
   </p:timing>
 </p:sld>
@@ -31110,7 +31008,7 @@
 </file>
 
 <file path=ppt/slides/slide94.xml><?xml version="1.0" encoding="utf-8"?>
-<p:sld xmlns:a="http://schemas.openxmlformats.org/drawingml/2006/main" xmlns:r="http://schemas.openxmlformats.org/officeDocument/2006/relationships" xmlns:p="http://schemas.openxmlformats.org/presentationml/2006/main">
+<p:sld xmlns:a="http://schemas.openxmlformats.org/drawingml/2006/main" xmlns:r="http://schemas.openxmlformats.org/officeDocument/2006/relationships" xmlns:p="http://schemas.openxmlformats.org/presentationml/2006/main" show="0">
   <p:cSld>
     <p:spTree>
       <p:nvGrpSpPr>
